--- a/chapter01/图片/pic.pptx
+++ b/chapter01/图片/pic.pptx
@@ -276,7 +276,7 @@
           <a:p>
             <a:fld id="{CC60841D-ABD7-4225-8164-2463B86145F0}" type="datetimeFigureOut">
               <a:rPr lang="zh-CN" altLang="en-US" smtClean="0"/>
-              <a:t>2020/3/19</a:t>
+              <a:t>2020/6/16</a:t>
             </a:fld>
             <a:endParaRPr lang="zh-CN" altLang="en-US"/>
           </a:p>
@@ -474,7 +474,7 @@
           <a:p>
             <a:fld id="{CC60841D-ABD7-4225-8164-2463B86145F0}" type="datetimeFigureOut">
               <a:rPr lang="zh-CN" altLang="en-US" smtClean="0"/>
-              <a:t>2020/3/19</a:t>
+              <a:t>2020/6/16</a:t>
             </a:fld>
             <a:endParaRPr lang="zh-CN" altLang="en-US"/>
           </a:p>
@@ -682,7 +682,7 @@
           <a:p>
             <a:fld id="{CC60841D-ABD7-4225-8164-2463B86145F0}" type="datetimeFigureOut">
               <a:rPr lang="zh-CN" altLang="en-US" smtClean="0"/>
-              <a:t>2020/3/19</a:t>
+              <a:t>2020/6/16</a:t>
             </a:fld>
             <a:endParaRPr lang="zh-CN" altLang="en-US"/>
           </a:p>
@@ -880,7 +880,7 @@
           <a:p>
             <a:fld id="{CC60841D-ABD7-4225-8164-2463B86145F0}" type="datetimeFigureOut">
               <a:rPr lang="zh-CN" altLang="en-US" smtClean="0"/>
-              <a:t>2020/3/19</a:t>
+              <a:t>2020/6/16</a:t>
             </a:fld>
             <a:endParaRPr lang="zh-CN" altLang="en-US"/>
           </a:p>
@@ -1155,7 +1155,7 @@
           <a:p>
             <a:fld id="{CC60841D-ABD7-4225-8164-2463B86145F0}" type="datetimeFigureOut">
               <a:rPr lang="zh-CN" altLang="en-US" smtClean="0"/>
-              <a:t>2020/3/19</a:t>
+              <a:t>2020/6/16</a:t>
             </a:fld>
             <a:endParaRPr lang="zh-CN" altLang="en-US"/>
           </a:p>
@@ -1420,7 +1420,7 @@
           <a:p>
             <a:fld id="{CC60841D-ABD7-4225-8164-2463B86145F0}" type="datetimeFigureOut">
               <a:rPr lang="zh-CN" altLang="en-US" smtClean="0"/>
-              <a:t>2020/3/19</a:t>
+              <a:t>2020/6/16</a:t>
             </a:fld>
             <a:endParaRPr lang="zh-CN" altLang="en-US"/>
           </a:p>
@@ -1832,7 +1832,7 @@
           <a:p>
             <a:fld id="{CC60841D-ABD7-4225-8164-2463B86145F0}" type="datetimeFigureOut">
               <a:rPr lang="zh-CN" altLang="en-US" smtClean="0"/>
-              <a:t>2020/3/19</a:t>
+              <a:t>2020/6/16</a:t>
             </a:fld>
             <a:endParaRPr lang="zh-CN" altLang="en-US"/>
           </a:p>
@@ -1973,7 +1973,7 @@
           <a:p>
             <a:fld id="{CC60841D-ABD7-4225-8164-2463B86145F0}" type="datetimeFigureOut">
               <a:rPr lang="zh-CN" altLang="en-US" smtClean="0"/>
-              <a:t>2020/3/19</a:t>
+              <a:t>2020/6/16</a:t>
             </a:fld>
             <a:endParaRPr lang="zh-CN" altLang="en-US"/>
           </a:p>
@@ -2086,7 +2086,7 @@
           <a:p>
             <a:fld id="{CC60841D-ABD7-4225-8164-2463B86145F0}" type="datetimeFigureOut">
               <a:rPr lang="zh-CN" altLang="en-US" smtClean="0"/>
-              <a:t>2020/3/19</a:t>
+              <a:t>2020/6/16</a:t>
             </a:fld>
             <a:endParaRPr lang="zh-CN" altLang="en-US"/>
           </a:p>
@@ -2397,7 +2397,7 @@
           <a:p>
             <a:fld id="{CC60841D-ABD7-4225-8164-2463B86145F0}" type="datetimeFigureOut">
               <a:rPr lang="zh-CN" altLang="en-US" smtClean="0"/>
-              <a:t>2020/3/19</a:t>
+              <a:t>2020/6/16</a:t>
             </a:fld>
             <a:endParaRPr lang="zh-CN" altLang="en-US"/>
           </a:p>
@@ -2685,7 +2685,7 @@
           <a:p>
             <a:fld id="{CC60841D-ABD7-4225-8164-2463B86145F0}" type="datetimeFigureOut">
               <a:rPr lang="zh-CN" altLang="en-US" smtClean="0"/>
-              <a:t>2020/3/19</a:t>
+              <a:t>2020/6/16</a:t>
             </a:fld>
             <a:endParaRPr lang="zh-CN" altLang="en-US"/>
           </a:p>
@@ -2926,7 +2926,7 @@
           <a:p>
             <a:fld id="{CC60841D-ABD7-4225-8164-2463B86145F0}" type="datetimeFigureOut">
               <a:rPr lang="zh-CN" altLang="en-US" smtClean="0"/>
-              <a:t>2020/3/19</a:t>
+              <a:t>2020/6/16</a:t>
             </a:fld>
             <a:endParaRPr lang="zh-CN" altLang="en-US"/>
           </a:p>
@@ -3681,6 +3681,14 @@
             <a:prstGeom prst="rect">
               <a:avLst/>
             </a:prstGeom>
+            <a:solidFill>
+              <a:schemeClr val="bg1"/>
+            </a:solidFill>
+            <a:ln w="28575">
+              <a:solidFill>
+                <a:schemeClr val="tx1"/>
+              </a:solidFill>
+            </a:ln>
           </p:spPr>
           <p:style>
             <a:lnRef idx="2">
@@ -3702,9 +3710,14 @@
             <a:p>
               <a:pPr algn="ctr"/>
               <a:r>
-                <a:rPr lang="zh-CN" altLang="en-US" b="1" dirty="0"/>
-                <a:t>事先维护一个文本分分析树程序</a:t>
+                <a:rPr lang="zh-CN" altLang="en-US" sz="2400" b="1" dirty="0"/>
+                <a:t>事先维护一</a:t>
               </a:r>
+              <a:r>
+                <a:rPr lang="zh-CN" altLang="en-US" sz="2400" b="1" dirty="0" smtClean="0"/>
+                <a:t>个直译程序</a:t>
+              </a:r>
+              <a:endParaRPr lang="zh-CN" altLang="en-US" sz="2400" b="1" dirty="0"/>
             </a:p>
           </p:txBody>
         </p:sp>
@@ -3955,8 +3968,8 @@
         </p:nvSpPr>
         <p:spPr>
           <a:xfrm>
-            <a:off x="1262197" y="4772661"/>
-            <a:ext cx="3562895" cy="830997"/>
+            <a:off x="994734" y="4723535"/>
+            <a:ext cx="3562895" cy="954107"/>
           </a:xfrm>
           <a:prstGeom prst="rect">
             <a:avLst/>
@@ -3970,10 +3983,10 @@
           <a:lstStyle/>
           <a:p>
             <a:r>
-              <a:rPr lang="en-US" altLang="zh-CN" sz="2400" dirty="0"/>
+              <a:rPr lang="en-US" altLang="zh-CN" sz="2800" dirty="0"/>
               <a:t>No one can beat Xiao Ming in basketball</a:t>
             </a:r>
-            <a:endParaRPr lang="zh-CN" altLang="en-US" sz="2400" dirty="0"/>
+            <a:endParaRPr lang="zh-CN" altLang="en-US" sz="2800" dirty="0"/>
           </a:p>
         </p:txBody>
       </p:sp>
@@ -3991,8 +4004,8 @@
         </p:nvSpPr>
         <p:spPr>
           <a:xfrm>
-            <a:off x="2776183" y="1132730"/>
-            <a:ext cx="1214846" cy="338554"/>
+            <a:off x="2776182" y="1132730"/>
+            <a:ext cx="2215787" cy="523220"/>
           </a:xfrm>
           <a:prstGeom prst="rect">
             <a:avLst/>
@@ -4006,9 +4019,10 @@
           <a:lstStyle/>
           <a:p>
             <a:r>
-              <a:rPr lang="zh-CN" altLang="en-US" sz="1600" dirty="0"/>
-              <a:t>语法分析</a:t>
-            </a:r>
+              <a:rPr lang="zh-CN" altLang="en-US" sz="2800" dirty="0" smtClean="0"/>
+              <a:t>输入</a:t>
+            </a:r>
+            <a:endParaRPr lang="zh-CN" altLang="en-US" sz="2800" dirty="0"/>
           </a:p>
         </p:txBody>
       </p:sp>
@@ -4026,8 +4040,8 @@
         </p:nvSpPr>
         <p:spPr>
           <a:xfrm>
-            <a:off x="2928364" y="4239471"/>
-            <a:ext cx="1214846" cy="338554"/>
+            <a:off x="2776182" y="4155803"/>
+            <a:ext cx="1214846" cy="523220"/>
           </a:xfrm>
           <a:prstGeom prst="rect">
             <a:avLst/>
@@ -4041,7 +4055,7 @@
           <a:lstStyle/>
           <a:p>
             <a:r>
-              <a:rPr lang="zh-CN" altLang="en-US" sz="1600" dirty="0"/>
+              <a:rPr lang="zh-CN" altLang="en-US" sz="2800" dirty="0"/>
               <a:t>直译</a:t>
             </a:r>
           </a:p>
@@ -4496,8 +4510,8 @@
         </p:nvSpPr>
         <p:spPr>
           <a:xfrm>
-            <a:off x="8081287" y="2072910"/>
-            <a:ext cx="3562895" cy="400110"/>
+            <a:off x="7728488" y="1994079"/>
+            <a:ext cx="3928743" cy="523220"/>
           </a:xfrm>
           <a:prstGeom prst="rect">
             <a:avLst/>
@@ -4511,15 +4525,15 @@
           <a:lstStyle/>
           <a:p>
             <a:r>
-              <a:rPr lang="zh-CN" altLang="en-US" sz="2000" b="1" dirty="0"/>
+              <a:rPr lang="zh-CN" altLang="en-US" sz="2800" b="1" dirty="0"/>
               <a:t>统计</a:t>
             </a:r>
             <a:r>
-              <a:rPr lang="en-US" altLang="zh-CN" sz="2000" b="1" dirty="0"/>
+              <a:rPr lang="en-US" altLang="zh-CN" sz="2800" b="1" dirty="0"/>
               <a:t>+</a:t>
             </a:r>
             <a:r>
-              <a:rPr lang="zh-CN" altLang="en-US" sz="2000" b="1" dirty="0"/>
+              <a:rPr lang="zh-CN" altLang="en-US" sz="2800" b="1" dirty="0"/>
               <a:t>数据的概率模型</a:t>
             </a:r>
           </a:p>
@@ -4540,7 +4554,7 @@
         <p:spPr>
           <a:xfrm>
             <a:off x="9255311" y="989846"/>
-            <a:ext cx="1214846" cy="338554"/>
+            <a:ext cx="1214846" cy="523220"/>
           </a:xfrm>
           <a:prstGeom prst="rect">
             <a:avLst/>
@@ -4554,7 +4568,7 @@
           <a:lstStyle/>
           <a:p>
             <a:r>
-              <a:rPr lang="zh-CN" altLang="en-US" sz="1600" dirty="0"/>
+              <a:rPr lang="zh-CN" altLang="en-US" sz="2800" dirty="0"/>
               <a:t>输入</a:t>
             </a:r>
           </a:p>
@@ -4618,8 +4632,8 @@
         </p:nvSpPr>
         <p:spPr>
           <a:xfrm>
-            <a:off x="9385982" y="4384981"/>
-            <a:ext cx="2020525" cy="338554"/>
+            <a:off x="9423046" y="4271473"/>
+            <a:ext cx="2713219" cy="523220"/>
           </a:xfrm>
           <a:prstGeom prst="rect">
             <a:avLst/>
@@ -4633,9 +4647,14 @@
           <a:lstStyle/>
           <a:p>
             <a:r>
-              <a:rPr lang="zh-CN" altLang="en-US" sz="1600" dirty="0"/>
-              <a:t>依概率“搜索出”</a:t>
-            </a:r>
+              <a:rPr lang="zh-CN" altLang="en-US" sz="2800" dirty="0"/>
+              <a:t>依概率</a:t>
+            </a:r>
+            <a:r>
+              <a:rPr lang="zh-CN" altLang="en-US" sz="2800" dirty="0" smtClean="0"/>
+              <a:t>“得出”</a:t>
+            </a:r>
+            <a:endParaRPr lang="zh-CN" altLang="en-US" sz="2800" dirty="0"/>
           </a:p>
         </p:txBody>
       </p:sp>
@@ -4654,7 +4673,7 @@
         <p:spPr>
           <a:xfrm>
             <a:off x="7452122" y="4897116"/>
-            <a:ext cx="4012050" cy="830997"/>
+            <a:ext cx="4012050" cy="954107"/>
           </a:xfrm>
           <a:prstGeom prst="rect">
             <a:avLst/>
@@ -4668,34 +4687,34 @@
           <a:lstStyle/>
           <a:p>
             <a:r>
-              <a:rPr lang="en-US" altLang="zh-CN" sz="2400" dirty="0"/>
+              <a:rPr lang="en-US" altLang="zh-CN" sz="2800" dirty="0"/>
               <a:t>Xiao Ming’s</a:t>
             </a:r>
             <a:r>
-              <a:rPr lang="zh-CN" altLang="en-US" sz="2400" dirty="0"/>
+              <a:rPr lang="zh-CN" altLang="en-US" sz="2800" dirty="0"/>
               <a:t> </a:t>
             </a:r>
             <a:r>
-              <a:rPr lang="en-US" altLang="zh-CN" sz="2400" dirty="0"/>
+              <a:rPr lang="en-US" altLang="zh-CN" sz="2800" dirty="0"/>
               <a:t>basketball</a:t>
             </a:r>
             <a:r>
-              <a:rPr lang="zh-CN" altLang="en-US" sz="2400" dirty="0"/>
+              <a:rPr lang="zh-CN" altLang="en-US" sz="2800" dirty="0"/>
               <a:t> </a:t>
             </a:r>
             <a:r>
-              <a:rPr lang="en-US" altLang="zh-CN" sz="2400" dirty="0"/>
+              <a:rPr lang="en-US" altLang="zh-CN" sz="2800" dirty="0"/>
               <a:t>is</a:t>
             </a:r>
             <a:r>
-              <a:rPr lang="zh-CN" altLang="en-US" sz="2400" dirty="0"/>
+              <a:rPr lang="zh-CN" altLang="en-US" sz="2800" dirty="0"/>
               <a:t> </a:t>
             </a:r>
             <a:r>
-              <a:rPr lang="en-US" altLang="zh-CN" sz="2400" dirty="0"/>
+              <a:rPr lang="en-US" altLang="zh-CN" sz="2800" dirty="0"/>
               <a:t>poor</a:t>
             </a:r>
-            <a:endParaRPr lang="zh-CN" altLang="en-US" sz="2400" dirty="0"/>
+            <a:endParaRPr lang="zh-CN" altLang="en-US" sz="2800" dirty="0"/>
           </a:p>
         </p:txBody>
       </p:sp>
@@ -5192,6 +5211,9 @@
           <a:prstGeom prst="rect">
             <a:avLst/>
           </a:prstGeom>
+          <a:solidFill>
+            <a:schemeClr val="bg1"/>
+          </a:solidFill>
           <a:ln w="38100">
             <a:solidFill>
               <a:schemeClr val="tx1"/>
@@ -5241,6 +5263,9 @@
           <a:prstGeom prst="rect">
             <a:avLst/>
           </a:prstGeom>
+          <a:solidFill>
+            <a:schemeClr val="bg1"/>
+          </a:solidFill>
           <a:ln w="38100">
             <a:solidFill>
               <a:schemeClr val="tx1"/>
@@ -5290,6 +5315,9 @@
           <a:prstGeom prst="rect">
             <a:avLst/>
           </a:prstGeom>
+          <a:solidFill>
+            <a:schemeClr val="bg1"/>
+          </a:solidFill>
           <a:ln w="38100">
             <a:solidFill>
               <a:schemeClr val="tx1"/>
@@ -5583,10 +5611,7 @@
           </a:prstGeom>
           <a:ln w="76200">
             <a:solidFill>
-              <a:schemeClr val="tx1">
-                <a:lumMod val="50000"/>
-                <a:lumOff val="50000"/>
-              </a:schemeClr>
+              <a:schemeClr val="tx1"/>
             </a:solidFill>
           </a:ln>
         </p:spPr>
@@ -6194,10 +6219,7 @@
           </a:prstGeom>
           <a:ln w="76200">
             <a:solidFill>
-              <a:schemeClr val="tx1">
-                <a:lumMod val="50000"/>
-                <a:lumOff val="50000"/>
-              </a:schemeClr>
+              <a:schemeClr val="tx1"/>
             </a:solidFill>
           </a:ln>
         </p:spPr>
@@ -6420,41 +6442,6 @@
             <a:r>
               <a:rPr lang="zh-CN" altLang="en-US" sz="2800" dirty="0"/>
               <a:t>总结输入特征</a:t>
-            </a:r>
-          </a:p>
-        </p:txBody>
-      </p:sp>
-      <p:sp>
-        <p:nvSpPr>
-          <p:cNvPr id="23" name="文本框 22">
-            <a:extLst>
-              <a:ext uri="{FF2B5EF4-FFF2-40B4-BE49-F238E27FC236}">
-                <a16:creationId xmlns="" xmlns:a16="http://schemas.microsoft.com/office/drawing/2014/main" id="{CF46A3EA-5F86-445D-A45E-6D5E792DA941}"/>
-              </a:ext>
-            </a:extLst>
-          </p:cNvPr>
-          <p:cNvSpPr txBox="1"/>
-          <p:nvPr/>
-        </p:nvSpPr>
-        <p:spPr>
-          <a:xfrm>
-            <a:off x="5915297" y="5365223"/>
-            <a:ext cx="4966397" cy="400110"/>
-          </a:xfrm>
-          <a:prstGeom prst="rect">
-            <a:avLst/>
-          </a:prstGeom>
-          <a:noFill/>
-        </p:spPr>
-        <p:txBody>
-          <a:bodyPr wrap="square" rtlCol="0">
-            <a:spAutoFit/>
-          </a:bodyPr>
-          <a:lstStyle/>
-          <a:p>
-            <a:r>
-              <a:rPr lang="zh-CN" altLang="en-US" sz="2000" dirty="0"/>
-              <a:t>通常用于聚类方面的问题</a:t>
             </a:r>
           </a:p>
         </p:txBody>
@@ -6511,10 +6498,7 @@
           </a:prstGeom>
           <a:ln w="76200">
             <a:solidFill>
-              <a:schemeClr val="tx1">
-                <a:lumMod val="50000"/>
-                <a:lumOff val="50000"/>
-              </a:schemeClr>
+              <a:schemeClr val="tx1"/>
             </a:solidFill>
           </a:ln>
         </p:spPr>
@@ -6879,7 +6863,7 @@
         <a:sysClr val="windowText" lastClr="000000"/>
       </a:dk1>
       <a:lt1>
-        <a:sysClr val="window" lastClr="CCE8CF"/>
+        <a:sysClr val="window" lastClr="FFFFFF"/>
       </a:lt1>
       <a:dk2>
         <a:srgbClr val="44546A"/>
